--- a/doc/proj4-grp8.pptx
+++ b/doc/proj4-grp8.pptx
@@ -8008,15 +8008,31 @@
           <a:p>
             <a:r>
               <a:rPr lang="en-US" dirty="0" smtClean="0"/>
-              <a:t>Web: Predict whether user a will visit a </a:t>
+              <a:t>Web: Predict whether user a will </a:t>
             </a:r>
             <a:r>
-              <a:rPr lang="en-US" dirty="0" err="1" smtClean="0"/>
+              <a:rPr lang="en-US" smtClean="0"/>
+              <a:t>visit </a:t>
+            </a:r>
+            <a:r>
+              <a:rPr lang="en-US" smtClean="0"/>
               <a:t>vroot</a:t>
             </a:r>
             <a:r>
               <a:rPr lang="en-US" dirty="0" smtClean="0"/>
-              <a:t> I in website </a:t>
+              <a:t> </a:t>
+            </a:r>
+            <a:r>
+              <a:rPr lang="en-US" dirty="0" err="1" smtClean="0"/>
+              <a:t>i</a:t>
+            </a:r>
+            <a:r>
+              <a:rPr lang="en-US" dirty="0" smtClean="0"/>
+              <a:t> </a:t>
+            </a:r>
+            <a:r>
+              <a:rPr lang="en-US" dirty="0" smtClean="0"/>
+              <a:t>in website </a:t>
             </a:r>
           </a:p>
           <a:p>
@@ -13915,7 +13931,46 @@
                 <a:ea typeface="微软雅黑" panose="020B0503020204020204" pitchFamily="34" charset="-122"/>
                 <a:cs typeface="Levenim MT" pitchFamily="2" charset="-79"/>
               </a:rPr>
-              <a:t>Assign users to C (9) different groups, each group of users has its own probability distribution of movie rating</a:t>
+              <a:t>Assign users to </a:t>
+            </a:r>
+            <a:r>
+              <a:rPr lang="en-US" altLang="zh-CN" sz="1200" dirty="0">
+                <a:solidFill>
+                  <a:schemeClr val="bg1">
+                    <a:lumMod val="50000"/>
+                  </a:schemeClr>
+                </a:solidFill>
+                <a:latin typeface="微软雅黑" panose="020B0503020204020204" pitchFamily="34" charset="-122"/>
+                <a:ea typeface="微软雅黑" panose="020B0503020204020204" pitchFamily="34" charset="-122"/>
+                <a:cs typeface="Levenim MT" pitchFamily="2" charset="-79"/>
+              </a:rPr>
+              <a:t>c</a:t>
+            </a:r>
+            <a:r>
+              <a:rPr lang="en-US" altLang="zh-CN" sz="1200" dirty="0" smtClean="0">
+                <a:solidFill>
+                  <a:schemeClr val="bg1">
+                    <a:lumMod val="50000"/>
+                  </a:schemeClr>
+                </a:solidFill>
+                <a:latin typeface="微软雅黑" panose="020B0503020204020204" pitchFamily="34" charset="-122"/>
+                <a:ea typeface="微软雅黑" panose="020B0503020204020204" pitchFamily="34" charset="-122"/>
+                <a:cs typeface="Levenim MT" pitchFamily="2" charset="-79"/>
+              </a:rPr>
+              <a:t> </a:t>
+            </a:r>
+            <a:r>
+              <a:rPr lang="en-US" altLang="zh-CN" sz="1200" dirty="0" smtClean="0">
+                <a:solidFill>
+                  <a:schemeClr val="bg1">
+                    <a:lumMod val="50000"/>
+                  </a:schemeClr>
+                </a:solidFill>
+                <a:latin typeface="微软雅黑" panose="020B0503020204020204" pitchFamily="34" charset="-122"/>
+                <a:ea typeface="微软雅黑" panose="020B0503020204020204" pitchFamily="34" charset="-122"/>
+                <a:cs typeface="Levenim MT" pitchFamily="2" charset="-79"/>
+              </a:rPr>
+              <a:t>different groups, each group of users has its own probability distribution of movie rating</a:t>
             </a:r>
           </a:p>
           <a:p>

--- a/doc/proj4-grp8.pptx
+++ b/doc/proj4-grp8.pptx
@@ -8008,14 +8008,10 @@
           <a:p>
             <a:r>
               <a:rPr lang="en-US" dirty="0" smtClean="0"/>
-              <a:t>Web: Predict whether user a will </a:t>
+              <a:t>Web: Predict whether user a will visit </a:t>
             </a:r>
             <a:r>
-              <a:rPr lang="en-US" smtClean="0"/>
-              <a:t>visit </a:t>
-            </a:r>
-            <a:r>
-              <a:rPr lang="en-US" smtClean="0"/>
+              <a:rPr lang="en-US" dirty="0" err="1" smtClean="0"/>
               <a:t>vroot</a:t>
             </a:r>
             <a:r>
@@ -11186,6 +11182,36 @@
               <a:ea typeface="微软雅黑" panose="020B0503020204020204" pitchFamily="34" charset="-122"/>
               <a:cs typeface="Levenim MT" pitchFamily="2" charset="-79"/>
             </a:endParaRPr>
+          </a:p>
+        </p:txBody>
+      </p:sp>
+      <p:sp>
+        <p:nvSpPr>
+          <p:cNvPr id="2" name="TextBox 1"/>
+          <p:cNvSpPr txBox="1"/>
+          <p:nvPr/>
+        </p:nvSpPr>
+        <p:spPr>
+          <a:xfrm>
+            <a:off x="6870700" y="6324600"/>
+            <a:ext cx="3886200" cy="246221"/>
+          </a:xfrm>
+          <a:prstGeom prst="rect">
+            <a:avLst/>
+          </a:prstGeom>
+          <a:noFill/>
+        </p:spPr>
+        <p:txBody>
+          <a:bodyPr wrap="square" rtlCol="0">
+            <a:spAutoFit/>
+          </a:bodyPr>
+          <a:lstStyle/>
+          <a:p>
+            <a:r>
+              <a:rPr lang="en-US" sz="1000" dirty="0" smtClean="0"/>
+              <a:t>Ref:  An Algorithm Framework for Performing Collaborative Filtering</a:t>
+            </a:r>
+            <a:endParaRPr lang="en-US" sz="1000" dirty="0"/>
           </a:p>
         </p:txBody>
       </p:sp>
@@ -14652,7 +14678,7 @@
           <p:nvPr>
             <p:extLst>
               <p:ext uri="{D42A27DB-BD31-4B8C-83A1-F6EECF244321}">
-                <p14:modId xmlns:p14="http://schemas.microsoft.com/office/powerpoint/2010/main" val="84914475"/>
+                <p14:modId xmlns:p14="http://schemas.microsoft.com/office/powerpoint/2010/main" val="421244364"/>
               </p:ext>
             </p:extLst>
           </p:nvPr>
@@ -14857,10 +14883,18 @@
                     <a:lstStyle/>
                     <a:p>
                       <a:r>
-                        <a:rPr lang="en-US" dirty="0" smtClean="0"/>
+                        <a:rPr lang="en-US" dirty="0" smtClean="0">
+                          <a:solidFill>
+                            <a:srgbClr val="FF0000"/>
+                          </a:solidFill>
+                        </a:rPr>
                         <a:t>23.38</a:t>
                       </a:r>
-                      <a:endParaRPr lang="en-US" dirty="0"/>
+                      <a:endParaRPr lang="en-US" dirty="0">
+                        <a:solidFill>
+                          <a:srgbClr val="FF0000"/>
+                        </a:solidFill>
+                      </a:endParaRPr>
                     </a:p>
                   </a:txBody>
                   <a:tcPr/>
@@ -14871,10 +14905,18 @@
                     <a:lstStyle/>
                     <a:p>
                       <a:r>
-                        <a:rPr lang="en-US" dirty="0" smtClean="0"/>
+                        <a:rPr lang="en-US" dirty="0" smtClean="0">
+                          <a:solidFill>
+                            <a:srgbClr val="FF0000"/>
+                          </a:solidFill>
+                        </a:rPr>
                         <a:t>23.38</a:t>
                       </a:r>
-                      <a:endParaRPr lang="en-US" dirty="0"/>
+                      <a:endParaRPr lang="en-US" dirty="0">
+                        <a:solidFill>
+                          <a:srgbClr val="FF0000"/>
+                        </a:solidFill>
+                      </a:endParaRPr>
                     </a:p>
                   </a:txBody>
                   <a:tcPr/>
@@ -14885,10 +14927,18 @@
                     <a:lstStyle/>
                     <a:p>
                       <a:r>
-                        <a:rPr lang="en-US" dirty="0" smtClean="0"/>
+                        <a:rPr lang="en-US" dirty="0" smtClean="0">
+                          <a:solidFill>
+                            <a:srgbClr val="FF0000"/>
+                          </a:solidFill>
+                        </a:rPr>
                         <a:t>23.38</a:t>
                       </a:r>
-                      <a:endParaRPr lang="en-US" dirty="0"/>
+                      <a:endParaRPr lang="en-US" dirty="0">
+                        <a:solidFill>
+                          <a:srgbClr val="FF0000"/>
+                        </a:solidFill>
+                      </a:endParaRPr>
                     </a:p>
                   </a:txBody>
                   <a:tcPr/>
@@ -15487,7 +15537,7 @@
           <p:nvPr>
             <p:extLst>
               <p:ext uri="{D42A27DB-BD31-4B8C-83A1-F6EECF244321}">
-                <p14:modId xmlns:p14="http://schemas.microsoft.com/office/powerpoint/2010/main" val="675206507"/>
+                <p14:modId xmlns:p14="http://schemas.microsoft.com/office/powerpoint/2010/main" val="1790382704"/>
               </p:ext>
             </p:extLst>
           </p:nvPr>
@@ -15644,10 +15694,18 @@
                     <a:lstStyle/>
                     <a:p>
                       <a:r>
-                        <a:rPr lang="en-US" dirty="0" smtClean="0"/>
-                        <a:t>continued</a:t>
+                        <a:rPr lang="en-US" dirty="0" smtClean="0">
+                          <a:solidFill>
+                            <a:srgbClr val="FF0000"/>
+                          </a:solidFill>
+                        </a:rPr>
+                        <a:t>0.000427</a:t>
                       </a:r>
-                      <a:endParaRPr lang="en-US" dirty="0"/>
+                      <a:endParaRPr lang="en-US" dirty="0">
+                        <a:solidFill>
+                          <a:srgbClr val="FF0000"/>
+                        </a:solidFill>
+                      </a:endParaRPr>
                     </a:p>
                   </a:txBody>
                   <a:tcPr/>
